--- a/PSU2021-Zero to Secure.pptx
+++ b/PSU2021-Zero to Secure.pptx
@@ -23448,8 +23448,8 @@
         </p:nvSpPr>
         <p:spPr>
           <a:xfrm>
-            <a:off x="2304429" y="3659705"/>
-            <a:ext cx="775904" cy="775904"/>
+            <a:off x="2304429" y="3598993"/>
+            <a:ext cx="836616" cy="836616"/>
           </a:xfrm>
           <a:prstGeom prst="ellipse">
             <a:avLst/>
@@ -23486,7 +23486,7 @@
                 <a:cs typeface="Source Sans Pro"/>
                 <a:sym typeface="Source Sans Pro"/>
               </a:rPr>
-              <a:t>cmrReporter</a:t>
+              <a:t>cmdReporter</a:t>
             </a:r>
             <a:r>
               <a:rPr lang="en" sz="800" dirty="0">
